--- a/final_project/Randomization_flow.pptx
+++ b/final_project/Randomization_flow.pptx
@@ -3435,7 +3435,7 @@
         <p:spPr>
           <a:xfrm>
             <a:off x="4084614" y="737267"/>
-            <a:ext cx="1415143" cy="523220"/>
+            <a:ext cx="1415143" cy="461665"/>
           </a:xfrm>
           <a:prstGeom prst="rect">
             <a:avLst/>
@@ -3450,10 +3450,10 @@
           <a:p>
             <a:pPr algn="ctr"/>
             <a:r>
-              <a:rPr lang="en-US" sz="1400" dirty="0" smtClean="0"/>
+              <a:rPr lang="en-US" sz="1200" dirty="0" smtClean="0"/>
               <a:t>Randomization step 1</a:t>
             </a:r>
-            <a:endParaRPr lang="en-US" sz="1400" dirty="0"/>
+            <a:endParaRPr lang="en-US" sz="1200" dirty="0"/>
           </a:p>
         </p:txBody>
       </p:sp>
@@ -3584,8 +3584,12 @@
           <a:p>
             <a:pPr algn="ctr"/>
             <a:r>
+              <a:rPr lang="en-US" sz="1600" b="1" u="sng" smtClean="0"/>
+              <a:t>Comparison schools</a:t>
+            </a:r>
+            <a:r>
               <a:rPr lang="en-US" sz="1600" b="1" u="sng" dirty="0" smtClean="0"/>
-              <a:t>Control schools:</a:t>
+              <a:t>:</a:t>
             </a:r>
           </a:p>
           <a:p>
@@ -3730,7 +3734,7 @@
         <p:spPr>
           <a:xfrm>
             <a:off x="6026669" y="2146903"/>
-            <a:ext cx="1415143" cy="523220"/>
+            <a:ext cx="1415143" cy="461665"/>
           </a:xfrm>
           <a:prstGeom prst="rect">
             <a:avLst/>
@@ -3745,10 +3749,10 @@
           <a:p>
             <a:pPr algn="ctr"/>
             <a:r>
-              <a:rPr lang="en-US" sz="1400" dirty="0" smtClean="0"/>
+              <a:rPr lang="en-US" sz="1200" dirty="0" smtClean="0"/>
               <a:t>Randomization step 2</a:t>
             </a:r>
-            <a:endParaRPr lang="en-US" sz="1400" dirty="0"/>
+            <a:endParaRPr lang="en-US" sz="1200" dirty="0"/>
           </a:p>
         </p:txBody>
       </p:sp>
@@ -4053,7 +4057,7 @@
         <p:spPr>
           <a:xfrm>
             <a:off x="3092882" y="4373122"/>
-            <a:ext cx="1415143" cy="523220"/>
+            <a:ext cx="1415143" cy="461665"/>
           </a:xfrm>
           <a:prstGeom prst="rect">
             <a:avLst/>
@@ -4068,10 +4072,10 @@
           <a:p>
             <a:pPr algn="ctr"/>
             <a:r>
-              <a:rPr lang="en-US" sz="1400" dirty="0" smtClean="0"/>
+              <a:rPr lang="en-US" sz="1200" dirty="0" smtClean="0"/>
               <a:t>Randomization step 3</a:t>
             </a:r>
-            <a:endParaRPr lang="en-US" sz="1400" dirty="0"/>
+            <a:endParaRPr lang="en-US" sz="1200" dirty="0"/>
           </a:p>
         </p:txBody>
       </p:sp>
@@ -4382,7 +4386,7 @@
         <p:spPr>
           <a:xfrm>
             <a:off x="8907546" y="4876955"/>
-            <a:ext cx="1509029" cy="523220"/>
+            <a:ext cx="1509029" cy="461665"/>
           </a:xfrm>
           <a:prstGeom prst="rect">
             <a:avLst/>
@@ -4397,10 +4401,10 @@
           <a:p>
             <a:pPr algn="ctr"/>
             <a:r>
-              <a:rPr lang="en-US" sz="1400" dirty="0" smtClean="0"/>
+              <a:rPr lang="en-US" sz="1200" dirty="0" smtClean="0"/>
               <a:t>Randomization step 3</a:t>
             </a:r>
-            <a:endParaRPr lang="en-US" sz="1400" dirty="0"/>
+            <a:endParaRPr lang="en-US" sz="1200" dirty="0"/>
           </a:p>
         </p:txBody>
       </p:sp>
